--- a/Presentation/2014-10-2 Presentation_AUT.pptx
+++ b/Presentation/2014-10-2 Presentation_AUT.pptx
@@ -183,6 +183,9 @@
           </p15:clr>
         </p15:guide>
       </p15:sldGuideLst>
+    </p:ext>
+    <p:ext uri="{2D200454-40CA-4A62-9FC3-DE9A4176ACB9}">
+      <p15:notesGuideLst xmlns:p15="http://schemas.microsoft.com/office/powerpoint/2012/main"/>
     </p:ext>
   </p:extLst>
 </p:presentation>
@@ -1330,10 +1333,24 @@
     <dgm:pt modelId="{7B36D643-7EBD-4DE8-BEFA-98B97C325CED}" type="pres">
       <dgm:prSet presAssocID="{D75D79A5-C4ED-452F-A4C0-B6D2D01BB312}" presName="sibTrans" presStyleLbl="sibTrans2D1" presStyleIdx="0" presStyleCnt="4"/>
       <dgm:spPr/>
+      <dgm:t>
+        <a:bodyPr/>
+        <a:lstStyle/>
+        <a:p>
+          <a:endParaRPr lang="da-DK"/>
+        </a:p>
+      </dgm:t>
     </dgm:pt>
     <dgm:pt modelId="{4B39657F-1E40-4F52-AC0D-69E8699D3A3F}" type="pres">
       <dgm:prSet presAssocID="{D75D79A5-C4ED-452F-A4C0-B6D2D01BB312}" presName="connectorText" presStyleLbl="sibTrans2D1" presStyleIdx="0" presStyleCnt="4"/>
       <dgm:spPr/>
+      <dgm:t>
+        <a:bodyPr/>
+        <a:lstStyle/>
+        <a:p>
+          <a:endParaRPr lang="da-DK"/>
+        </a:p>
+      </dgm:t>
     </dgm:pt>
     <dgm:pt modelId="{D51AD909-8897-47AC-A329-CD9E03063E54}" type="pres">
       <dgm:prSet presAssocID="{7A1E8732-C20D-463E-9BA4-05029360A9AA}" presName="node" presStyleLbl="node1" presStyleIdx="1" presStyleCnt="5">
@@ -1353,10 +1370,24 @@
     <dgm:pt modelId="{C4F721EE-EF37-4D9A-9B52-512E766730DF}" type="pres">
       <dgm:prSet presAssocID="{F64B74F5-7449-4C92-8AE6-944BF16DB24D}" presName="sibTrans" presStyleLbl="sibTrans2D1" presStyleIdx="1" presStyleCnt="4"/>
       <dgm:spPr/>
+      <dgm:t>
+        <a:bodyPr/>
+        <a:lstStyle/>
+        <a:p>
+          <a:endParaRPr lang="da-DK"/>
+        </a:p>
+      </dgm:t>
     </dgm:pt>
     <dgm:pt modelId="{CE3DBC62-4841-4DEB-BC21-CAAF2047A2C6}" type="pres">
       <dgm:prSet presAssocID="{F64B74F5-7449-4C92-8AE6-944BF16DB24D}" presName="connectorText" presStyleLbl="sibTrans2D1" presStyleIdx="1" presStyleCnt="4"/>
       <dgm:spPr/>
+      <dgm:t>
+        <a:bodyPr/>
+        <a:lstStyle/>
+        <a:p>
+          <a:endParaRPr lang="da-DK"/>
+        </a:p>
+      </dgm:t>
     </dgm:pt>
     <dgm:pt modelId="{CFA01431-5EFC-4108-8CE5-DCC6B1DCB0A7}" type="pres">
       <dgm:prSet presAssocID="{C2CE5347-07E2-487A-8E5C-FAAE08CE73C4}" presName="node" presStyleLbl="node1" presStyleIdx="2" presStyleCnt="5">
@@ -1376,10 +1407,24 @@
     <dgm:pt modelId="{FBCDA91A-D45D-4ED3-BCC8-058D0AD81909}" type="pres">
       <dgm:prSet presAssocID="{D3546E16-A634-4528-A2F3-4A463E4A9B5C}" presName="sibTrans" presStyleLbl="sibTrans2D1" presStyleIdx="2" presStyleCnt="4"/>
       <dgm:spPr/>
+      <dgm:t>
+        <a:bodyPr/>
+        <a:lstStyle/>
+        <a:p>
+          <a:endParaRPr lang="da-DK"/>
+        </a:p>
+      </dgm:t>
     </dgm:pt>
     <dgm:pt modelId="{C768C03E-A392-4CBD-9D34-B4BD6CFE3BCB}" type="pres">
       <dgm:prSet presAssocID="{D3546E16-A634-4528-A2F3-4A463E4A9B5C}" presName="connectorText" presStyleLbl="sibTrans2D1" presStyleIdx="2" presStyleCnt="4"/>
       <dgm:spPr/>
+      <dgm:t>
+        <a:bodyPr/>
+        <a:lstStyle/>
+        <a:p>
+          <a:endParaRPr lang="da-DK"/>
+        </a:p>
+      </dgm:t>
     </dgm:pt>
     <dgm:pt modelId="{6C120042-AA66-4C69-85E4-D90D7E82A833}" type="pres">
       <dgm:prSet presAssocID="{284B483F-216E-4D67-BD09-8D0B5B852D13}" presName="node" presStyleLbl="node1" presStyleIdx="3" presStyleCnt="5">
@@ -1399,10 +1444,24 @@
     <dgm:pt modelId="{6C951255-C9AF-4524-9DC8-E891F88708D8}" type="pres">
       <dgm:prSet presAssocID="{49970F5C-8B76-4701-8392-E6CE6714C6AF}" presName="sibTrans" presStyleLbl="sibTrans2D1" presStyleIdx="3" presStyleCnt="4"/>
       <dgm:spPr/>
+      <dgm:t>
+        <a:bodyPr/>
+        <a:lstStyle/>
+        <a:p>
+          <a:endParaRPr lang="da-DK"/>
+        </a:p>
+      </dgm:t>
     </dgm:pt>
     <dgm:pt modelId="{CFB152FD-3B24-4137-B5E0-07CA8C811705}" type="pres">
       <dgm:prSet presAssocID="{49970F5C-8B76-4701-8392-E6CE6714C6AF}" presName="connectorText" presStyleLbl="sibTrans2D1" presStyleIdx="3" presStyleCnt="4"/>
       <dgm:spPr/>
+      <dgm:t>
+        <a:bodyPr/>
+        <a:lstStyle/>
+        <a:p>
+          <a:endParaRPr lang="da-DK"/>
+        </a:p>
+      </dgm:t>
     </dgm:pt>
     <dgm:pt modelId="{6FED21BD-2D05-4CD6-9751-558E72284C1B}" type="pres">
       <dgm:prSet presAssocID="{05CC6EE4-62B8-47F6-AAD2-94E96936BB36}" presName="node" presStyleLbl="node1" presStyleIdx="4" presStyleCnt="5">
@@ -1411,6 +1470,13 @@
         </dgm:presLayoutVars>
       </dgm:prSet>
       <dgm:spPr/>
+      <dgm:t>
+        <a:bodyPr/>
+        <a:lstStyle/>
+        <a:p>
+          <a:endParaRPr lang="da-DK"/>
+        </a:p>
+      </dgm:t>
     </dgm:pt>
   </dgm:ptLst>
   <dgm:cxnLst>
@@ -4031,21 +4097,19 @@
       </p:grpSpPr>
       <p:sp>
         <p:nvSpPr>
-          <p:cNvPr id="9218" name="Pladsholder til slidebillede 1"/>
+          <p:cNvPr id="2" name="Pladsholder til slidebillede 1"/>
           <p:cNvSpPr>
-            <a:spLocks noGrp="1" noRot="1" noChangeAspect="1" noTextEdit="1"/>
+            <a:spLocks noGrp="1" noRot="1" noChangeAspect="1"/>
           </p:cNvSpPr>
           <p:nvPr>
             <p:ph type="sldImg"/>
           </p:nvPr>
         </p:nvSpPr>
-        <p:spPr>
-          <a:ln/>
-        </p:spPr>
+        <p:spPr/>
       </p:sp>
       <p:sp>
         <p:nvSpPr>
-          <p:cNvPr id="9219" name="Pladsholder til noter 2"/>
+          <p:cNvPr id="3" name="Pladsholder til noter 2"/>
           <p:cNvSpPr>
             <a:spLocks noGrp="1"/>
           </p:cNvSpPr>
@@ -4053,212 +4117,153 @@
             <p:ph type="body" idx="1"/>
           </p:nvPr>
         </p:nvSpPr>
-        <p:spPr>
-          <a:noFill/>
-          <a:extLst>
-            <a:ext uri="{909E8E84-426E-40DD-AFC4-6F175D3DCCD1}">
-              <a14:hiddenFill xmlns:a14="http://schemas.microsoft.com/office/drawing/2010/main">
-                <a:solidFill>
-                  <a:srgbClr val="FFFFFF"/>
-                </a:solidFill>
-              </a14:hiddenFill>
-            </a:ext>
-            <a:ext uri="{91240B29-F687-4F45-9708-019B960494DF}">
-              <a14:hiddenLine xmlns:a14="http://schemas.microsoft.com/office/drawing/2010/main" w="9525">
-                <a:solidFill>
-                  <a:srgbClr val="000000"/>
-                </a:solidFill>
-                <a:miter lim="800000"/>
-                <a:headEnd/>
-                <a:tailEnd/>
-              </a14:hiddenLine>
-            </a:ext>
-          </a:extLst>
-        </p:spPr>
+        <p:spPr/>
         <p:txBody>
           <a:bodyPr/>
           <a:lstStyle/>
           <a:p>
-            <a:r>
-              <a:rPr lang="en-US" altLang="da-DK" smtClean="0">
-                <a:ea typeface="ＭＳ Ｐゴシック" panose="020B0600070205080204" pitchFamily="34" charset="-128"/>
+            <a:pPr marL="0" marR="0" indent="0" algn="l" defTabSz="914400" rtl="0" eaLnBrk="0" fontAlgn="base" latinLnBrk="0" hangingPunct="0">
+              <a:lnSpc>
+                <a:spcPct val="100000"/>
+              </a:lnSpc>
+              <a:spcBef>
+                <a:spcPct val="30000"/>
+              </a:spcBef>
+              <a:spcAft>
+                <a:spcPct val="0"/>
+              </a:spcAft>
+              <a:buClrTx/>
+              <a:buSzTx/>
+              <a:buFontTx/>
+              <a:buNone/>
+              <a:tabLst/>
+              <a:defRPr/>
+            </a:pPr>
+            <a:r>
+              <a:rPr lang="en-US" sz="1200" b="0" i="0" kern="1200" dirty="0" smtClean="0">
+                <a:solidFill>
+                  <a:schemeClr val="tx1"/>
+                </a:solidFill>
+                <a:effectLst/>
+                <a:latin typeface="Verdana" pitchFamily="34" charset="0"/>
+                <a:ea typeface="ＭＳ Ｐゴシック" pitchFamily="-80" charset="-128"/>
+                <a:cs typeface="+mn-cs"/>
               </a:rPr>
-              <a:t>A few years back small UAV’s, like this one, has only been available for research and hobby enthusiasts. </a:t>
-            </a:r>
-          </a:p>
-          <a:p>
-            <a:r>
-              <a:rPr lang="en-US" altLang="da-DK" smtClean="0">
-                <a:ea typeface="ＭＳ Ｐゴシック" panose="020B0600070205080204" pitchFamily="34" charset="-128"/>
+              <a:t>Unmanned Aerial Vehicles (UAVs), also known as “drones”, have been attracting an increasing amount of attention as low cost aerial service robots. Although the high speed and maneuverability of </a:t>
+            </a:r>
+            <a:r>
+              <a:rPr lang="en-US" sz="1200" b="0" i="0" kern="1200" dirty="0" err="1" smtClean="0">
+                <a:solidFill>
+                  <a:schemeClr val="tx1"/>
+                </a:solidFill>
+                <a:effectLst/>
+                <a:latin typeface="Verdana" pitchFamily="34" charset="0"/>
+                <a:ea typeface="ＭＳ Ｐゴシック" pitchFamily="-80" charset="-128"/>
+                <a:cs typeface="+mn-cs"/>
               </a:rPr>
-              <a:t>But lately it has been implemented in a range of industrial applications.</a:t>
+              <a:t>multirotor</a:t>
+            </a:r>
+            <a:r>
+              <a:rPr lang="en-US" sz="1200" b="0" i="0" kern="1200" dirty="0" smtClean="0">
+                <a:solidFill>
+                  <a:schemeClr val="tx1"/>
+                </a:solidFill>
+                <a:effectLst/>
+                <a:latin typeface="Verdana" pitchFamily="34" charset="0"/>
+                <a:ea typeface="ＭＳ Ｐゴシック" pitchFamily="-80" charset="-128"/>
+                <a:cs typeface="+mn-cs"/>
+              </a:rPr>
+              <a:t> UAVs make them attractive for many applications, a common drawback for this type of aircraft is their limited flight time.</a:t>
             </a:r>
             <a:br>
-              <a:rPr lang="en-US" altLang="da-DK" smtClean="0">
-                <a:ea typeface="ＭＳ Ｐゴシック" panose="020B0600070205080204" pitchFamily="34" charset="-128"/>
+              <a:rPr lang="en-US" sz="1200" b="0" i="0" kern="1200" dirty="0" smtClean="0">
+                <a:solidFill>
+                  <a:schemeClr val="tx1"/>
+                </a:solidFill>
+                <a:effectLst/>
+                <a:latin typeface="Verdana" pitchFamily="34" charset="0"/>
+                <a:ea typeface="ＭＳ Ｐゴシック" pitchFamily="-80" charset="-128"/>
+                <a:cs typeface="+mn-cs"/>
               </a:rPr>
             </a:br>
-            <a:endParaRPr lang="da-DK" altLang="da-DK" smtClean="0">
+            <a:r>
+              <a:rPr lang="en-US" sz="1200" b="0" i="0" kern="1200" dirty="0" smtClean="0">
+                <a:solidFill>
+                  <a:schemeClr val="tx1"/>
+                </a:solidFill>
+                <a:effectLst/>
+                <a:latin typeface="Verdana" pitchFamily="34" charset="0"/>
+                <a:ea typeface="ＭＳ Ｐゴシック" pitchFamily="-80" charset="-128"/>
+                <a:cs typeface="+mn-cs"/>
+              </a:rPr>
+              <a:t>The “tethered” configuration consists in connecting the </a:t>
+            </a:r>
+            <a:r>
+              <a:rPr lang="en-US" sz="1200" b="0" i="0" kern="1200" dirty="0" err="1" smtClean="0">
+                <a:solidFill>
+                  <a:schemeClr val="tx1"/>
+                </a:solidFill>
+                <a:effectLst/>
+                <a:latin typeface="Verdana" pitchFamily="34" charset="0"/>
+                <a:ea typeface="ＭＳ Ｐゴシック" pitchFamily="-80" charset="-128"/>
+                <a:cs typeface="+mn-cs"/>
+              </a:rPr>
+              <a:t>multirotor</a:t>
+            </a:r>
+            <a:r>
+              <a:rPr lang="en-US" sz="1200" b="0" i="0" kern="1200" dirty="0" smtClean="0">
+                <a:solidFill>
+                  <a:schemeClr val="tx1"/>
+                </a:solidFill>
+                <a:effectLst/>
+                <a:latin typeface="Verdana" pitchFamily="34" charset="0"/>
+                <a:ea typeface="ＭＳ Ｐゴシック" pitchFamily="-80" charset="-128"/>
+                <a:cs typeface="+mn-cs"/>
+              </a:rPr>
+              <a:t> drone to a ground station by means of a cable. By using the cable as a power line, the Tethered UAV can potentially achieve an unlimited flight-time.</a:t>
+            </a:r>
+            <a:endParaRPr lang="en-US" altLang="da-DK" dirty="0" smtClean="0">
               <a:ea typeface="ＭＳ Ｐゴシック" panose="020B0600070205080204" pitchFamily="34" charset="-128"/>
             </a:endParaRPr>
+          </a:p>
+          <a:p>
+            <a:endParaRPr lang="da-DK" dirty="0"/>
           </a:p>
         </p:txBody>
       </p:sp>
       <p:sp>
         <p:nvSpPr>
-          <p:cNvPr id="9220" name="Pladsholder til slidenummer 3"/>
+          <p:cNvPr id="4" name="Pladsholder til slidenummer 3"/>
           <p:cNvSpPr>
             <a:spLocks noGrp="1"/>
           </p:cNvSpPr>
           <p:nvPr>
-            <p:ph type="sldNum" sz="quarter" idx="5"/>
+            <p:ph type="sldNum" sz="quarter" idx="10"/>
           </p:nvPr>
         </p:nvSpPr>
-        <p:spPr>
-          <a:noFill/>
-          <a:extLst>
-            <a:ext uri="{909E8E84-426E-40DD-AFC4-6F175D3DCCD1}">
-              <a14:hiddenFill xmlns:a14="http://schemas.microsoft.com/office/drawing/2010/main">
-                <a:solidFill>
-                  <a:srgbClr val="FFFFFF"/>
-                </a:solidFill>
-              </a14:hiddenFill>
-            </a:ext>
-            <a:ext uri="{91240B29-F687-4F45-9708-019B960494DF}">
-              <a14:hiddenLine xmlns:a14="http://schemas.microsoft.com/office/drawing/2010/main" w="9525">
-                <a:solidFill>
-                  <a:srgbClr val="000000"/>
-                </a:solidFill>
-                <a:miter lim="800000"/>
-                <a:headEnd/>
-                <a:tailEnd/>
-              </a14:hiddenLine>
-            </a:ext>
-          </a:extLst>
-        </p:spPr>
+        <p:spPr/>
         <p:txBody>
           <a:bodyPr/>
-          <a:lstStyle>
-            <a:lvl1pPr>
-              <a:defRPr sz="1600">
-                <a:solidFill>
-                  <a:schemeClr val="tx1"/>
-                </a:solidFill>
-                <a:latin typeface="Verdana" panose="020B0604030504040204" pitchFamily="34" charset="0"/>
-                <a:ea typeface="ＭＳ Ｐゴシック" panose="020B0600070205080204" pitchFamily="34" charset="-128"/>
-              </a:defRPr>
-            </a:lvl1pPr>
-            <a:lvl2pPr marL="742950" indent="-285750">
-              <a:defRPr sz="1600">
-                <a:solidFill>
-                  <a:schemeClr val="tx1"/>
-                </a:solidFill>
-                <a:latin typeface="Verdana" panose="020B0604030504040204" pitchFamily="34" charset="0"/>
-                <a:ea typeface="ＭＳ Ｐゴシック" panose="020B0600070205080204" pitchFamily="34" charset="-128"/>
-              </a:defRPr>
-            </a:lvl2pPr>
-            <a:lvl3pPr marL="1143000" indent="-228600">
-              <a:defRPr sz="1600">
-                <a:solidFill>
-                  <a:schemeClr val="tx1"/>
-                </a:solidFill>
-                <a:latin typeface="Verdana" panose="020B0604030504040204" pitchFamily="34" charset="0"/>
-                <a:ea typeface="ＭＳ Ｐゴシック" panose="020B0600070205080204" pitchFamily="34" charset="-128"/>
-              </a:defRPr>
-            </a:lvl3pPr>
-            <a:lvl4pPr marL="1600200" indent="-228600">
-              <a:defRPr sz="1600">
-                <a:solidFill>
-                  <a:schemeClr val="tx1"/>
-                </a:solidFill>
-                <a:latin typeface="Verdana" panose="020B0604030504040204" pitchFamily="34" charset="0"/>
-                <a:ea typeface="ＭＳ Ｐゴシック" panose="020B0600070205080204" pitchFamily="34" charset="-128"/>
-              </a:defRPr>
-            </a:lvl4pPr>
-            <a:lvl5pPr marL="2057400" indent="-228600">
-              <a:defRPr sz="1600">
-                <a:solidFill>
-                  <a:schemeClr val="tx1"/>
-                </a:solidFill>
-                <a:latin typeface="Verdana" panose="020B0604030504040204" pitchFamily="34" charset="0"/>
-                <a:ea typeface="ＭＳ Ｐゴシック" panose="020B0600070205080204" pitchFamily="34" charset="-128"/>
-              </a:defRPr>
-            </a:lvl5pPr>
-            <a:lvl6pPr marL="2514600" indent="-228600" eaLnBrk="0" fontAlgn="base" hangingPunct="0">
-              <a:spcBef>
-                <a:spcPct val="0"/>
-              </a:spcBef>
-              <a:spcAft>
-                <a:spcPct val="0"/>
-              </a:spcAft>
-              <a:defRPr sz="1600">
-                <a:solidFill>
-                  <a:schemeClr val="tx1"/>
-                </a:solidFill>
-                <a:latin typeface="Verdana" panose="020B0604030504040204" pitchFamily="34" charset="0"/>
-                <a:ea typeface="ＭＳ Ｐゴシック" panose="020B0600070205080204" pitchFamily="34" charset="-128"/>
-              </a:defRPr>
-            </a:lvl6pPr>
-            <a:lvl7pPr marL="2971800" indent="-228600" eaLnBrk="0" fontAlgn="base" hangingPunct="0">
-              <a:spcBef>
-                <a:spcPct val="0"/>
-              </a:spcBef>
-              <a:spcAft>
-                <a:spcPct val="0"/>
-              </a:spcAft>
-              <a:defRPr sz="1600">
-                <a:solidFill>
-                  <a:schemeClr val="tx1"/>
-                </a:solidFill>
-                <a:latin typeface="Verdana" panose="020B0604030504040204" pitchFamily="34" charset="0"/>
-                <a:ea typeface="ＭＳ Ｐゴシック" panose="020B0600070205080204" pitchFamily="34" charset="-128"/>
-              </a:defRPr>
-            </a:lvl7pPr>
-            <a:lvl8pPr marL="3429000" indent="-228600" eaLnBrk="0" fontAlgn="base" hangingPunct="0">
-              <a:spcBef>
-                <a:spcPct val="0"/>
-              </a:spcBef>
-              <a:spcAft>
-                <a:spcPct val="0"/>
-              </a:spcAft>
-              <a:defRPr sz="1600">
-                <a:solidFill>
-                  <a:schemeClr val="tx1"/>
-                </a:solidFill>
-                <a:latin typeface="Verdana" panose="020B0604030504040204" pitchFamily="34" charset="0"/>
-                <a:ea typeface="ＭＳ Ｐゴシック" panose="020B0600070205080204" pitchFamily="34" charset="-128"/>
-              </a:defRPr>
-            </a:lvl8pPr>
-            <a:lvl9pPr marL="3886200" indent="-228600" eaLnBrk="0" fontAlgn="base" hangingPunct="0">
-              <a:spcBef>
-                <a:spcPct val="0"/>
-              </a:spcBef>
-              <a:spcAft>
-                <a:spcPct val="0"/>
-              </a:spcAft>
-              <a:defRPr sz="1600">
-                <a:solidFill>
-                  <a:schemeClr val="tx1"/>
-                </a:solidFill>
-                <a:latin typeface="Verdana" panose="020B0604030504040204" pitchFamily="34" charset="0"/>
-                <a:ea typeface="ＭＳ Ｐゴシック" panose="020B0600070205080204" pitchFamily="34" charset="-128"/>
-              </a:defRPr>
-            </a:lvl9pPr>
-          </a:lstStyle>
-          <a:p>
-            <a:fld id="{FAD4DF74-92EB-4730-8FDA-4E9FA7ED885A}" type="slidenum">
-              <a:rPr lang="da-DK" altLang="da-DK" sz="1200"/>
-              <a:pPr/>
-              <a:t>2</a:t>
+          <a:lstStyle/>
+          <a:p>
+            <a:pPr>
+              <a:defRPr/>
+            </a:pPr>
+            <a:fld id="{506C7540-EAA5-42DC-A808-6AC3AF6E2A7C}" type="slidenum">
+              <a:rPr lang="da-DK" altLang="da-DK" smtClean="0"/>
+              <a:pPr>
+                <a:defRPr/>
+              </a:pPr>
+              <a:t>1</a:t>
             </a:fld>
-            <a:endParaRPr lang="da-DK" altLang="da-DK" sz="1200"/>
+            <a:endParaRPr lang="da-DK" altLang="da-DK"/>
           </a:p>
         </p:txBody>
       </p:sp>
     </p:spTree>
     <p:extLst>
       <p:ext uri="{BB962C8B-B14F-4D97-AF65-F5344CB8AC3E}">
-        <p14:creationId xmlns:p14="http://schemas.microsoft.com/office/powerpoint/2010/main" val="2625428006"/>
+        <p14:creationId xmlns:p14="http://schemas.microsoft.com/office/powerpoint/2010/main" val="2345798413"/>
       </p:ext>
     </p:extLst>
   </p:cSld>
@@ -4287,19 +4292,21 @@
       </p:grpSpPr>
       <p:sp>
         <p:nvSpPr>
-          <p:cNvPr id="2" name="Pladsholder til slidebillede 1"/>
+          <p:cNvPr id="9218" name="Pladsholder til slidebillede 1"/>
           <p:cNvSpPr>
-            <a:spLocks noGrp="1" noRot="1" noChangeAspect="1"/>
+            <a:spLocks noGrp="1" noRot="1" noChangeAspect="1" noTextEdit="1"/>
           </p:cNvSpPr>
           <p:nvPr>
             <p:ph type="sldImg"/>
           </p:nvPr>
         </p:nvSpPr>
-        <p:spPr/>
+        <p:spPr>
+          <a:ln/>
+        </p:spPr>
       </p:sp>
       <p:sp>
         <p:nvSpPr>
-          <p:cNvPr id="3" name="Pladsholder til noter 2"/>
+          <p:cNvPr id="9219" name="Pladsholder til noter 2"/>
           <p:cNvSpPr>
             <a:spLocks noGrp="1"/>
           </p:cNvSpPr>
@@ -4307,140 +4314,223 @@
             <p:ph type="body" idx="1"/>
           </p:nvPr>
         </p:nvSpPr>
-        <p:spPr/>
+        <p:spPr>
+          <a:noFill/>
+          <a:extLst>
+            <a:ext uri="{909E8E84-426E-40DD-AFC4-6F175D3DCCD1}">
+              <a14:hiddenFill xmlns:a14="http://schemas.microsoft.com/office/drawing/2010/main">
+                <a:solidFill>
+                  <a:srgbClr val="FFFFFF"/>
+                </a:solidFill>
+              </a14:hiddenFill>
+            </a:ext>
+            <a:ext uri="{91240B29-F687-4F45-9708-019B960494DF}">
+              <a14:hiddenLine xmlns:a14="http://schemas.microsoft.com/office/drawing/2010/main" w="9525">
+                <a:solidFill>
+                  <a:srgbClr val="000000"/>
+                </a:solidFill>
+                <a:miter lim="800000"/>
+                <a:headEnd/>
+                <a:tailEnd/>
+              </a14:hiddenLine>
+            </a:ext>
+          </a:extLst>
+        </p:spPr>
         <p:txBody>
           <a:bodyPr/>
           <a:lstStyle/>
           <a:p>
-            <a:r>
-              <a:rPr lang="da-DK" dirty="0" err="1" smtClean="0"/>
-              <a:t>Today</a:t>
-            </a:r>
-            <a:r>
-              <a:rPr lang="da-DK" dirty="0" smtClean="0"/>
-              <a:t> drones</a:t>
-            </a:r>
-            <a:r>
-              <a:rPr lang="da-DK" baseline="0" dirty="0" smtClean="0"/>
-              <a:t> </a:t>
-            </a:r>
-            <a:r>
-              <a:rPr lang="da-DK" baseline="0" dirty="0" err="1" smtClean="0"/>
-              <a:t>are</a:t>
-            </a:r>
-            <a:r>
-              <a:rPr lang="da-DK" baseline="0" dirty="0" smtClean="0"/>
-              <a:t> </a:t>
-            </a:r>
-            <a:r>
-              <a:rPr lang="da-DK" baseline="0" dirty="0" err="1" smtClean="0"/>
-              <a:t>already</a:t>
-            </a:r>
-            <a:r>
-              <a:rPr lang="da-DK" baseline="0" dirty="0" smtClean="0"/>
-              <a:t> </a:t>
-            </a:r>
-            <a:r>
-              <a:rPr lang="da-DK" baseline="0" dirty="0" err="1" smtClean="0"/>
-              <a:t>implementet</a:t>
-            </a:r>
-            <a:r>
-              <a:rPr lang="da-DK" baseline="0" dirty="0" smtClean="0"/>
-              <a:t> in </a:t>
-            </a:r>
-            <a:r>
-              <a:rPr lang="da-DK" baseline="0" dirty="0" err="1" smtClean="0"/>
-              <a:t>firefigthing</a:t>
-            </a:r>
-            <a:r>
-              <a:rPr lang="da-DK" baseline="0" dirty="0" smtClean="0"/>
-              <a:t>, </a:t>
-            </a:r>
-            <a:r>
-              <a:rPr lang="da-DK" baseline="0" dirty="0" err="1" smtClean="0"/>
-              <a:t>inspection</a:t>
-            </a:r>
-            <a:r>
-              <a:rPr lang="da-DK" baseline="0" dirty="0" smtClean="0"/>
-              <a:t> af power </a:t>
-            </a:r>
-            <a:r>
-              <a:rPr lang="da-DK" baseline="0" dirty="0" err="1" smtClean="0"/>
-              <a:t>supply</a:t>
-            </a:r>
-            <a:r>
-              <a:rPr lang="da-DK" baseline="0" dirty="0" smtClean="0"/>
-              <a:t> </a:t>
-            </a:r>
-            <a:r>
-              <a:rPr lang="da-DK" baseline="0" dirty="0" err="1" smtClean="0"/>
-              <a:t>cables</a:t>
-            </a:r>
-            <a:r>
-              <a:rPr lang="da-DK" baseline="0" dirty="0" smtClean="0"/>
-              <a:t>, </a:t>
-            </a:r>
-            <a:r>
-              <a:rPr lang="da-DK" baseline="0" dirty="0" err="1" smtClean="0"/>
-              <a:t>windmills</a:t>
-            </a:r>
-            <a:r>
-              <a:rPr lang="da-DK" baseline="0" dirty="0" smtClean="0"/>
-              <a:t>, </a:t>
-            </a:r>
-            <a:r>
-              <a:rPr lang="da-DK" baseline="0" dirty="0" err="1" smtClean="0"/>
-              <a:t>construction</a:t>
-            </a:r>
-            <a:r>
-              <a:rPr lang="da-DK" baseline="0" dirty="0" smtClean="0"/>
-              <a:t> site and </a:t>
-            </a:r>
-            <a:r>
-              <a:rPr lang="da-DK" baseline="0" dirty="0" err="1" smtClean="0"/>
-              <a:t>farming</a:t>
-            </a:r>
-            <a:r>
-              <a:rPr lang="da-DK" baseline="0" dirty="0" smtClean="0"/>
-              <a:t>.</a:t>
-            </a:r>
-            <a:endParaRPr lang="da-DK" dirty="0"/>
+            <a:endParaRPr lang="en-US" altLang="da-DK" dirty="0" smtClean="0">
+              <a:ea typeface="ＭＳ Ｐゴシック" panose="020B0600070205080204" pitchFamily="34" charset="-128"/>
+            </a:endParaRPr>
+          </a:p>
+          <a:p>
+            <a:r>
+              <a:rPr lang="en-US" altLang="da-DK" dirty="0" smtClean="0">
+                <a:ea typeface="ＭＳ Ｐゴシック" panose="020B0600070205080204" pitchFamily="34" charset="-128"/>
+              </a:rPr>
+              <a:t>A </a:t>
+            </a:r>
+            <a:r>
+              <a:rPr lang="en-US" altLang="da-DK" dirty="0" smtClean="0">
+                <a:ea typeface="ＭＳ Ｐゴシック" panose="020B0600070205080204" pitchFamily="34" charset="-128"/>
+              </a:rPr>
+              <a:t>few years back small UAV’s, like this one, has only been available for research and hobby enthusiasts. </a:t>
+            </a:r>
+          </a:p>
+          <a:p>
+            <a:r>
+              <a:rPr lang="en-US" altLang="da-DK" dirty="0" smtClean="0">
+                <a:ea typeface="ＭＳ Ｐゴシック" panose="020B0600070205080204" pitchFamily="34" charset="-128"/>
+              </a:rPr>
+              <a:t>But lately it has been implemented in a range of industrial applications.</a:t>
+            </a:r>
+            <a:br>
+              <a:rPr lang="en-US" altLang="da-DK" dirty="0" smtClean="0">
+                <a:ea typeface="ＭＳ Ｐゴシック" panose="020B0600070205080204" pitchFamily="34" charset="-128"/>
+              </a:rPr>
+            </a:br>
+            <a:endParaRPr lang="da-DK" altLang="da-DK" dirty="0" smtClean="0">
+              <a:ea typeface="ＭＳ Ｐゴシック" panose="020B0600070205080204" pitchFamily="34" charset="-128"/>
+            </a:endParaRPr>
           </a:p>
         </p:txBody>
       </p:sp>
       <p:sp>
         <p:nvSpPr>
-          <p:cNvPr id="4" name="Pladsholder til slidenummer 3"/>
+          <p:cNvPr id="9220" name="Pladsholder til slidenummer 3"/>
           <p:cNvSpPr>
             <a:spLocks noGrp="1"/>
           </p:cNvSpPr>
           <p:nvPr>
-            <p:ph type="sldNum" sz="quarter" idx="10"/>
+            <p:ph type="sldNum" sz="quarter" idx="5"/>
           </p:nvPr>
         </p:nvSpPr>
-        <p:spPr/>
+        <p:spPr>
+          <a:noFill/>
+          <a:extLst>
+            <a:ext uri="{909E8E84-426E-40DD-AFC4-6F175D3DCCD1}">
+              <a14:hiddenFill xmlns:a14="http://schemas.microsoft.com/office/drawing/2010/main">
+                <a:solidFill>
+                  <a:srgbClr val="FFFFFF"/>
+                </a:solidFill>
+              </a14:hiddenFill>
+            </a:ext>
+            <a:ext uri="{91240B29-F687-4F45-9708-019B960494DF}">
+              <a14:hiddenLine xmlns:a14="http://schemas.microsoft.com/office/drawing/2010/main" w="9525">
+                <a:solidFill>
+                  <a:srgbClr val="000000"/>
+                </a:solidFill>
+                <a:miter lim="800000"/>
+                <a:headEnd/>
+                <a:tailEnd/>
+              </a14:hiddenLine>
+            </a:ext>
+          </a:extLst>
+        </p:spPr>
         <p:txBody>
           <a:bodyPr/>
-          <a:lstStyle/>
-          <a:p>
-            <a:pPr>
-              <a:defRPr/>
-            </a:pPr>
-            <a:fld id="{506C7540-EAA5-42DC-A808-6AC3AF6E2A7C}" type="slidenum">
-              <a:rPr lang="da-DK" altLang="da-DK" smtClean="0"/>
-              <a:pPr>
-                <a:defRPr/>
-              </a:pPr>
-              <a:t>3</a:t>
+          <a:lstStyle>
+            <a:lvl1pPr>
+              <a:defRPr sz="1600">
+                <a:solidFill>
+                  <a:schemeClr val="tx1"/>
+                </a:solidFill>
+                <a:latin typeface="Verdana" panose="020B0604030504040204" pitchFamily="34" charset="0"/>
+                <a:ea typeface="ＭＳ Ｐゴシック" panose="020B0600070205080204" pitchFamily="34" charset="-128"/>
+              </a:defRPr>
+            </a:lvl1pPr>
+            <a:lvl2pPr marL="742950" indent="-285750">
+              <a:defRPr sz="1600">
+                <a:solidFill>
+                  <a:schemeClr val="tx1"/>
+                </a:solidFill>
+                <a:latin typeface="Verdana" panose="020B0604030504040204" pitchFamily="34" charset="0"/>
+                <a:ea typeface="ＭＳ Ｐゴシック" panose="020B0600070205080204" pitchFamily="34" charset="-128"/>
+              </a:defRPr>
+            </a:lvl2pPr>
+            <a:lvl3pPr marL="1143000" indent="-228600">
+              <a:defRPr sz="1600">
+                <a:solidFill>
+                  <a:schemeClr val="tx1"/>
+                </a:solidFill>
+                <a:latin typeface="Verdana" panose="020B0604030504040204" pitchFamily="34" charset="0"/>
+                <a:ea typeface="ＭＳ Ｐゴシック" panose="020B0600070205080204" pitchFamily="34" charset="-128"/>
+              </a:defRPr>
+            </a:lvl3pPr>
+            <a:lvl4pPr marL="1600200" indent="-228600">
+              <a:defRPr sz="1600">
+                <a:solidFill>
+                  <a:schemeClr val="tx1"/>
+                </a:solidFill>
+                <a:latin typeface="Verdana" panose="020B0604030504040204" pitchFamily="34" charset="0"/>
+                <a:ea typeface="ＭＳ Ｐゴシック" panose="020B0600070205080204" pitchFamily="34" charset="-128"/>
+              </a:defRPr>
+            </a:lvl4pPr>
+            <a:lvl5pPr marL="2057400" indent="-228600">
+              <a:defRPr sz="1600">
+                <a:solidFill>
+                  <a:schemeClr val="tx1"/>
+                </a:solidFill>
+                <a:latin typeface="Verdana" panose="020B0604030504040204" pitchFamily="34" charset="0"/>
+                <a:ea typeface="ＭＳ Ｐゴシック" panose="020B0600070205080204" pitchFamily="34" charset="-128"/>
+              </a:defRPr>
+            </a:lvl5pPr>
+            <a:lvl6pPr marL="2514600" indent="-228600" eaLnBrk="0" fontAlgn="base" hangingPunct="0">
+              <a:spcBef>
+                <a:spcPct val="0"/>
+              </a:spcBef>
+              <a:spcAft>
+                <a:spcPct val="0"/>
+              </a:spcAft>
+              <a:defRPr sz="1600">
+                <a:solidFill>
+                  <a:schemeClr val="tx1"/>
+                </a:solidFill>
+                <a:latin typeface="Verdana" panose="020B0604030504040204" pitchFamily="34" charset="0"/>
+                <a:ea typeface="ＭＳ Ｐゴシック" panose="020B0600070205080204" pitchFamily="34" charset="-128"/>
+              </a:defRPr>
+            </a:lvl6pPr>
+            <a:lvl7pPr marL="2971800" indent="-228600" eaLnBrk="0" fontAlgn="base" hangingPunct="0">
+              <a:spcBef>
+                <a:spcPct val="0"/>
+              </a:spcBef>
+              <a:spcAft>
+                <a:spcPct val="0"/>
+              </a:spcAft>
+              <a:defRPr sz="1600">
+                <a:solidFill>
+                  <a:schemeClr val="tx1"/>
+                </a:solidFill>
+                <a:latin typeface="Verdana" panose="020B0604030504040204" pitchFamily="34" charset="0"/>
+                <a:ea typeface="ＭＳ Ｐゴシック" panose="020B0600070205080204" pitchFamily="34" charset="-128"/>
+              </a:defRPr>
+            </a:lvl7pPr>
+            <a:lvl8pPr marL="3429000" indent="-228600" eaLnBrk="0" fontAlgn="base" hangingPunct="0">
+              <a:spcBef>
+                <a:spcPct val="0"/>
+              </a:spcBef>
+              <a:spcAft>
+                <a:spcPct val="0"/>
+              </a:spcAft>
+              <a:defRPr sz="1600">
+                <a:solidFill>
+                  <a:schemeClr val="tx1"/>
+                </a:solidFill>
+                <a:latin typeface="Verdana" panose="020B0604030504040204" pitchFamily="34" charset="0"/>
+                <a:ea typeface="ＭＳ Ｐゴシック" panose="020B0600070205080204" pitchFamily="34" charset="-128"/>
+              </a:defRPr>
+            </a:lvl8pPr>
+            <a:lvl9pPr marL="3886200" indent="-228600" eaLnBrk="0" fontAlgn="base" hangingPunct="0">
+              <a:spcBef>
+                <a:spcPct val="0"/>
+              </a:spcBef>
+              <a:spcAft>
+                <a:spcPct val="0"/>
+              </a:spcAft>
+              <a:defRPr sz="1600">
+                <a:solidFill>
+                  <a:schemeClr val="tx1"/>
+                </a:solidFill>
+                <a:latin typeface="Verdana" panose="020B0604030504040204" pitchFamily="34" charset="0"/>
+                <a:ea typeface="ＭＳ Ｐゴシック" panose="020B0600070205080204" pitchFamily="34" charset="-128"/>
+              </a:defRPr>
+            </a:lvl9pPr>
+          </a:lstStyle>
+          <a:p>
+            <a:fld id="{FAD4DF74-92EB-4730-8FDA-4E9FA7ED885A}" type="slidenum">
+              <a:rPr lang="da-DK" altLang="da-DK" sz="1200"/>
+              <a:pPr/>
+              <a:t>2</a:t>
             </a:fld>
-            <a:endParaRPr lang="da-DK" altLang="da-DK"/>
+            <a:endParaRPr lang="da-DK" altLang="da-DK" sz="1200"/>
           </a:p>
         </p:txBody>
       </p:sp>
     </p:spTree>
     <p:extLst>
       <p:ext uri="{BB962C8B-B14F-4D97-AF65-F5344CB8AC3E}">
-        <p14:creationId xmlns:p14="http://schemas.microsoft.com/office/powerpoint/2010/main" val="310733880"/>
+        <p14:creationId xmlns:p14="http://schemas.microsoft.com/office/powerpoint/2010/main" val="2625428006"/>
       </p:ext>
     </p:extLst>
   </p:cSld>
@@ -4495,58 +4585,12 @@
           <a:lstStyle/>
           <a:p>
             <a:r>
+              <a:rPr lang="da-DK" dirty="0" err="1" smtClean="0"/>
+              <a:t>Today</a:t>
+            </a:r>
+            <a:r>
               <a:rPr lang="da-DK" dirty="0" smtClean="0"/>
-              <a:t>A </a:t>
-            </a:r>
-            <a:r>
-              <a:rPr lang="da-DK" dirty="0" err="1" smtClean="0"/>
-              <a:t>common</a:t>
-            </a:r>
-            <a:r>
-              <a:rPr lang="da-DK" dirty="0" smtClean="0"/>
-              <a:t> problem for drones </a:t>
-            </a:r>
-            <a:r>
-              <a:rPr lang="da-DK" dirty="0" err="1" smtClean="0"/>
-              <a:t>are</a:t>
-            </a:r>
-            <a:r>
-              <a:rPr lang="da-DK" dirty="0" smtClean="0"/>
-              <a:t> the </a:t>
-            </a:r>
-            <a:r>
-              <a:rPr lang="da-DK" dirty="0" err="1" smtClean="0"/>
-              <a:t>very</a:t>
-            </a:r>
-            <a:r>
-              <a:rPr lang="da-DK" dirty="0" smtClean="0"/>
-              <a:t> short </a:t>
-            </a:r>
-            <a:r>
-              <a:rPr lang="da-DK" dirty="0" err="1" smtClean="0"/>
-              <a:t>flight</a:t>
-            </a:r>
-            <a:r>
-              <a:rPr lang="da-DK" dirty="0" smtClean="0"/>
-              <a:t> time.</a:t>
-            </a:r>
-          </a:p>
-          <a:p>
-            <a:r>
-              <a:rPr lang="da-DK" dirty="0" smtClean="0"/>
-              <a:t>All 4 drones </a:t>
-            </a:r>
-            <a:r>
-              <a:rPr lang="da-DK" dirty="0" err="1" smtClean="0"/>
-              <a:t>are</a:t>
-            </a:r>
-            <a:r>
-              <a:rPr lang="da-DK" baseline="0" dirty="0" smtClean="0"/>
-              <a:t> sold in </a:t>
-            </a:r>
-            <a:r>
-              <a:rPr lang="da-DK" baseline="0" dirty="0" err="1" smtClean="0"/>
-              <a:t>industrial</a:t>
+              <a:t> drones</a:t>
             </a:r>
             <a:r>
               <a:rPr lang="da-DK" baseline="0" dirty="0" smtClean="0"/>
@@ -4554,53 +4598,84 @@
             </a:r>
             <a:r>
               <a:rPr lang="da-DK" baseline="0" dirty="0" err="1" smtClean="0"/>
-              <a:t>applications</a:t>
+              <a:t>are</a:t>
+            </a:r>
+            <a:r>
+              <a:rPr lang="da-DK" baseline="0" dirty="0" smtClean="0"/>
+              <a:t> </a:t>
+            </a:r>
+            <a:r>
+              <a:rPr lang="da-DK" baseline="0" dirty="0" err="1" smtClean="0"/>
+              <a:t>already</a:t>
+            </a:r>
+            <a:r>
+              <a:rPr lang="da-DK" baseline="0" dirty="0" smtClean="0"/>
+              <a:t> </a:t>
+            </a:r>
+            <a:r>
+              <a:rPr lang="da-DK" baseline="0" dirty="0" err="1" smtClean="0"/>
+              <a:t>implementet</a:t>
+            </a:r>
+            <a:r>
+              <a:rPr lang="da-DK" baseline="0" dirty="0" smtClean="0"/>
+              <a:t> in </a:t>
+            </a:r>
+            <a:r>
+              <a:rPr lang="da-DK" baseline="0" dirty="0" err="1" smtClean="0"/>
+              <a:t>firefigthing</a:t>
+            </a:r>
+            <a:r>
+              <a:rPr lang="da-DK" baseline="0" dirty="0" smtClean="0"/>
+              <a:t>, </a:t>
+            </a:r>
+            <a:r>
+              <a:rPr lang="da-DK" baseline="0" dirty="0" err="1" smtClean="0"/>
+              <a:t>inspection</a:t>
+            </a:r>
+            <a:r>
+              <a:rPr lang="da-DK" baseline="0" dirty="0" smtClean="0"/>
+              <a:t> af power </a:t>
+            </a:r>
+            <a:r>
+              <a:rPr lang="da-DK" baseline="0" dirty="0" err="1" smtClean="0"/>
+              <a:t>supply</a:t>
+            </a:r>
+            <a:r>
+              <a:rPr lang="da-DK" baseline="0" dirty="0" smtClean="0"/>
+              <a:t> </a:t>
+            </a:r>
+            <a:r>
+              <a:rPr lang="da-DK" baseline="0" dirty="0" err="1" smtClean="0"/>
+              <a:t>cables</a:t>
+            </a:r>
+            <a:r>
+              <a:rPr lang="da-DK" baseline="0" dirty="0" smtClean="0"/>
+              <a:t>, </a:t>
+            </a:r>
+            <a:r>
+              <a:rPr lang="da-DK" baseline="0" dirty="0" err="1" smtClean="0"/>
+              <a:t>windmills</a:t>
+            </a:r>
+            <a:r>
+              <a:rPr lang="da-DK" baseline="0" dirty="0" smtClean="0"/>
+              <a:t>, </a:t>
+            </a:r>
+            <a:r>
+              <a:rPr lang="da-DK" baseline="0" dirty="0" err="1" smtClean="0"/>
+              <a:t>construction</a:t>
+            </a:r>
+            <a:r>
+              <a:rPr lang="da-DK" baseline="0" dirty="0" smtClean="0"/>
+              <a:t> site and </a:t>
+            </a:r>
+            <a:r>
+              <a:rPr lang="da-DK" baseline="0" dirty="0" err="1" smtClean="0"/>
+              <a:t>farming</a:t>
             </a:r>
             <a:r>
               <a:rPr lang="da-DK" baseline="0" dirty="0" smtClean="0"/>
               <a:t>.</a:t>
             </a:r>
-            <a:endParaRPr lang="da-DK" dirty="0" smtClean="0"/>
-          </a:p>
-          <a:p>
-            <a:r>
-              <a:rPr lang="da-DK" dirty="0" smtClean="0"/>
-              <a:t>As we </a:t>
-            </a:r>
-            <a:r>
-              <a:rPr lang="da-DK" dirty="0" err="1" smtClean="0"/>
-              <a:t>can</a:t>
-            </a:r>
-            <a:r>
-              <a:rPr lang="da-DK" dirty="0" smtClean="0"/>
-              <a:t> </a:t>
-            </a:r>
-            <a:r>
-              <a:rPr lang="da-DK" dirty="0" err="1" smtClean="0"/>
-              <a:t>see</a:t>
-            </a:r>
-            <a:r>
-              <a:rPr lang="da-DK" dirty="0" smtClean="0"/>
-              <a:t> </a:t>
-            </a:r>
-            <a:r>
-              <a:rPr lang="da-DK" dirty="0" err="1" smtClean="0"/>
-              <a:t>flight</a:t>
-            </a:r>
-            <a:r>
-              <a:rPr lang="da-DK" dirty="0" smtClean="0"/>
-              <a:t> time is not </a:t>
-            </a:r>
-            <a:r>
-              <a:rPr lang="da-DK" dirty="0" err="1" smtClean="0"/>
-              <a:t>impressing</a:t>
-            </a:r>
-            <a:r>
-              <a:rPr lang="da-DK" baseline="0" dirty="0" smtClean="0"/>
-              <a:t>.</a:t>
-            </a:r>
-          </a:p>
-          <a:p>
             <a:endParaRPr lang="da-DK" dirty="0"/>
           </a:p>
         </p:txBody>
@@ -4628,7 +4703,7 @@
               <a:pPr>
                 <a:defRPr/>
               </a:pPr>
-              <a:t>4</a:t>
+              <a:t>3</a:t>
             </a:fld>
             <a:endParaRPr lang="da-DK" altLang="da-DK"/>
           </a:p>
@@ -4637,7 +4712,7 @@
     </p:spTree>
     <p:extLst>
       <p:ext uri="{BB962C8B-B14F-4D97-AF65-F5344CB8AC3E}">
-        <p14:creationId xmlns:p14="http://schemas.microsoft.com/office/powerpoint/2010/main" val="183600835"/>
+        <p14:creationId xmlns:p14="http://schemas.microsoft.com/office/powerpoint/2010/main" val="310733880"/>
       </p:ext>
     </p:extLst>
   </p:cSld>
@@ -4692,6 +4767,203 @@
           <a:lstStyle/>
           <a:p>
             <a:r>
+              <a:rPr lang="da-DK" dirty="0" smtClean="0"/>
+              <a:t>A </a:t>
+            </a:r>
+            <a:r>
+              <a:rPr lang="da-DK" dirty="0" err="1" smtClean="0"/>
+              <a:t>common</a:t>
+            </a:r>
+            <a:r>
+              <a:rPr lang="da-DK" dirty="0" smtClean="0"/>
+              <a:t> problem for drones </a:t>
+            </a:r>
+            <a:r>
+              <a:rPr lang="da-DK" dirty="0" err="1" smtClean="0"/>
+              <a:t>are</a:t>
+            </a:r>
+            <a:r>
+              <a:rPr lang="da-DK" dirty="0" smtClean="0"/>
+              <a:t> the </a:t>
+            </a:r>
+            <a:r>
+              <a:rPr lang="da-DK" dirty="0" err="1" smtClean="0"/>
+              <a:t>very</a:t>
+            </a:r>
+            <a:r>
+              <a:rPr lang="da-DK" dirty="0" smtClean="0"/>
+              <a:t> short </a:t>
+            </a:r>
+            <a:r>
+              <a:rPr lang="da-DK" dirty="0" err="1" smtClean="0"/>
+              <a:t>flight</a:t>
+            </a:r>
+            <a:r>
+              <a:rPr lang="da-DK" dirty="0" smtClean="0"/>
+              <a:t> time.</a:t>
+            </a:r>
+          </a:p>
+          <a:p>
+            <a:r>
+              <a:rPr lang="da-DK" dirty="0" smtClean="0"/>
+              <a:t>All 4 drones </a:t>
+            </a:r>
+            <a:r>
+              <a:rPr lang="da-DK" dirty="0" err="1" smtClean="0"/>
+              <a:t>are</a:t>
+            </a:r>
+            <a:r>
+              <a:rPr lang="da-DK" baseline="0" dirty="0" smtClean="0"/>
+              <a:t> sold in </a:t>
+            </a:r>
+            <a:r>
+              <a:rPr lang="da-DK" baseline="0" dirty="0" err="1" smtClean="0"/>
+              <a:t>industrial</a:t>
+            </a:r>
+            <a:r>
+              <a:rPr lang="da-DK" baseline="0" dirty="0" smtClean="0"/>
+              <a:t> </a:t>
+            </a:r>
+            <a:r>
+              <a:rPr lang="da-DK" baseline="0" dirty="0" err="1" smtClean="0"/>
+              <a:t>applications</a:t>
+            </a:r>
+            <a:r>
+              <a:rPr lang="da-DK" baseline="0" dirty="0" smtClean="0"/>
+              <a:t>.</a:t>
+            </a:r>
+            <a:endParaRPr lang="da-DK" dirty="0" smtClean="0"/>
+          </a:p>
+          <a:p>
+            <a:r>
+              <a:rPr lang="da-DK" dirty="0" smtClean="0"/>
+              <a:t>As we </a:t>
+            </a:r>
+            <a:r>
+              <a:rPr lang="da-DK" dirty="0" err="1" smtClean="0"/>
+              <a:t>can</a:t>
+            </a:r>
+            <a:r>
+              <a:rPr lang="da-DK" dirty="0" smtClean="0"/>
+              <a:t> </a:t>
+            </a:r>
+            <a:r>
+              <a:rPr lang="da-DK" dirty="0" err="1" smtClean="0"/>
+              <a:t>see</a:t>
+            </a:r>
+            <a:r>
+              <a:rPr lang="da-DK" dirty="0" smtClean="0"/>
+              <a:t> </a:t>
+            </a:r>
+            <a:r>
+              <a:rPr lang="da-DK" dirty="0" err="1" smtClean="0"/>
+              <a:t>flight</a:t>
+            </a:r>
+            <a:r>
+              <a:rPr lang="da-DK" dirty="0" smtClean="0"/>
+              <a:t> time is not </a:t>
+            </a:r>
+            <a:r>
+              <a:rPr lang="da-DK" dirty="0" err="1" smtClean="0"/>
+              <a:t>impressing</a:t>
+            </a:r>
+            <a:r>
+              <a:rPr lang="da-DK" baseline="0" dirty="0" smtClean="0"/>
+              <a:t>.</a:t>
+            </a:r>
+          </a:p>
+          <a:p>
+            <a:endParaRPr lang="da-DK" dirty="0"/>
+          </a:p>
+        </p:txBody>
+      </p:sp>
+      <p:sp>
+        <p:nvSpPr>
+          <p:cNvPr id="4" name="Pladsholder til slidenummer 3"/>
+          <p:cNvSpPr>
+            <a:spLocks noGrp="1"/>
+          </p:cNvSpPr>
+          <p:nvPr>
+            <p:ph type="sldNum" sz="quarter" idx="10"/>
+          </p:nvPr>
+        </p:nvSpPr>
+        <p:spPr/>
+        <p:txBody>
+          <a:bodyPr/>
+          <a:lstStyle/>
+          <a:p>
+            <a:pPr>
+              <a:defRPr/>
+            </a:pPr>
+            <a:fld id="{506C7540-EAA5-42DC-A808-6AC3AF6E2A7C}" type="slidenum">
+              <a:rPr lang="da-DK" altLang="da-DK" smtClean="0"/>
+              <a:pPr>
+                <a:defRPr/>
+              </a:pPr>
+              <a:t>4</a:t>
+            </a:fld>
+            <a:endParaRPr lang="da-DK" altLang="da-DK"/>
+          </a:p>
+        </p:txBody>
+      </p:sp>
+    </p:spTree>
+    <p:extLst>
+      <p:ext uri="{BB962C8B-B14F-4D97-AF65-F5344CB8AC3E}">
+        <p14:creationId xmlns:p14="http://schemas.microsoft.com/office/powerpoint/2010/main" val="183600835"/>
+      </p:ext>
+    </p:extLst>
+  </p:cSld>
+  <p:clrMapOvr>
+    <a:masterClrMapping/>
+  </p:clrMapOvr>
+</p:notes>
+</file>
+
+<file path=ppt/notesSlides/notesSlide5.xml><?xml version="1.0" encoding="utf-8"?>
+<p:notes xmlns:a="http://schemas.openxmlformats.org/drawingml/2006/main" xmlns:r="http://schemas.openxmlformats.org/officeDocument/2006/relationships" xmlns:p="http://schemas.openxmlformats.org/presentationml/2006/main">
+  <p:cSld>
+    <p:spTree>
+      <p:nvGrpSpPr>
+        <p:cNvPr id="1" name=""/>
+        <p:cNvGrpSpPr/>
+        <p:nvPr/>
+      </p:nvGrpSpPr>
+      <p:grpSpPr>
+        <a:xfrm>
+          <a:off x="0" y="0"/>
+          <a:ext cx="0" cy="0"/>
+          <a:chOff x="0" y="0"/>
+          <a:chExt cx="0" cy="0"/>
+        </a:xfrm>
+      </p:grpSpPr>
+      <p:sp>
+        <p:nvSpPr>
+          <p:cNvPr id="2" name="Pladsholder til slidebillede 1"/>
+          <p:cNvSpPr>
+            <a:spLocks noGrp="1" noRot="1" noChangeAspect="1"/>
+          </p:cNvSpPr>
+          <p:nvPr>
+            <p:ph type="sldImg"/>
+          </p:nvPr>
+        </p:nvSpPr>
+        <p:spPr/>
+      </p:sp>
+      <p:sp>
+        <p:nvSpPr>
+          <p:cNvPr id="3" name="Pladsholder til noter 2"/>
+          <p:cNvSpPr>
+            <a:spLocks noGrp="1"/>
+          </p:cNvSpPr>
+          <p:nvPr>
+            <p:ph type="body" idx="1"/>
+          </p:nvPr>
+        </p:nvSpPr>
+        <p:spPr/>
+        <p:txBody>
+          <a:bodyPr/>
+          <a:lstStyle/>
+          <a:p>
+            <a:r>
               <a:rPr lang="da-DK" dirty="0" err="1" smtClean="0"/>
               <a:t>Outline</a:t>
             </a:r>
@@ -4735,6 +5007,40 @@
               <a:rPr lang="da-DK" baseline="0" dirty="0" smtClean="0"/>
               <a:t>. </a:t>
             </a:r>
+            <a:endParaRPr lang="da-DK" baseline="0" dirty="0" smtClean="0"/>
+          </a:p>
+          <a:p>
+            <a:endParaRPr lang="da-DK" baseline="0" dirty="0" smtClean="0"/>
+          </a:p>
+          <a:p>
+            <a:r>
+              <a:rPr lang="da-DK" baseline="0" dirty="0" smtClean="0"/>
+              <a:t>550W at the UAV end</a:t>
+            </a:r>
+          </a:p>
+          <a:p>
+            <a:endParaRPr lang="da-DK" baseline="0" dirty="0" smtClean="0"/>
+          </a:p>
+          <a:p>
+            <a:r>
+              <a:rPr lang="da-DK" baseline="0" dirty="0" smtClean="0"/>
+              <a:t>Heating in </a:t>
+            </a:r>
+            <a:r>
+              <a:rPr lang="da-DK" baseline="0" dirty="0" err="1" smtClean="0"/>
+              <a:t>drum</a:t>
+            </a:r>
+            <a:r>
+              <a:rPr lang="da-DK" baseline="0" dirty="0" smtClean="0"/>
+              <a:t>/</a:t>
+            </a:r>
+            <a:r>
+              <a:rPr lang="da-DK" baseline="0" dirty="0" err="1" smtClean="0"/>
+              <a:t>storing</a:t>
+            </a:r>
+            <a:endParaRPr lang="da-DK" baseline="0" dirty="0" smtClean="0"/>
+          </a:p>
+          <a:p>
             <a:endParaRPr lang="da-DK" dirty="0"/>
           </a:p>
         </p:txBody>
@@ -5333,7 +5639,7 @@
               <a:pPr>
                 <a:defRPr/>
               </a:pPr>
-              <a:t>29 September 2014</a:t>
+              <a:t>2 October 2014</a:t>
             </a:fld>
             <a:endParaRPr lang="en-US"/>
           </a:p>
@@ -5455,7 +5761,7 @@
               <a:pPr>
                 <a:defRPr/>
               </a:pPr>
-              <a:t>29 September 2014</a:t>
+              <a:t>2 October 2014</a:t>
             </a:fld>
             <a:endParaRPr lang="en-US"/>
           </a:p>
@@ -5652,7 +5958,7 @@
               <a:pPr>
                 <a:defRPr/>
               </a:pPr>
-              <a:t>29 September 2014</a:t>
+              <a:t>2 October 2014</a:t>
             </a:fld>
             <a:endParaRPr lang="en-US"/>
           </a:p>
@@ -5967,7 +6273,7 @@
               <a:pPr>
                 <a:defRPr/>
               </a:pPr>
-              <a:t>29 September 2014</a:t>
+              <a:t>2 October 2014</a:t>
             </a:fld>
             <a:endParaRPr lang="en-US"/>
           </a:p>
@@ -6112,7 +6418,7 @@
               <a:pPr>
                 <a:defRPr/>
               </a:pPr>
-              <a:t>29 September 2014</a:t>
+              <a:t>2 October 2014</a:t>
             </a:fld>
             <a:endParaRPr lang="en-US"/>
           </a:p>
@@ -6234,7 +6540,7 @@
               <a:pPr>
                 <a:defRPr/>
               </a:pPr>
-              <a:t>29 September 2014</a:t>
+              <a:t>2 October 2014</a:t>
             </a:fld>
             <a:endParaRPr lang="en-US"/>
           </a:p>
@@ -6427,7 +6733,7 @@
               <a:pPr eaLnBrk="1" hangingPunct="1">
                 <a:defRPr/>
               </a:pPr>
-              <a:t>9/29/2014</a:t>
+              <a:t>10/2/2014</a:t>
             </a:fld>
             <a:endParaRPr lang="en-US">
               <a:solidFill>
@@ -6850,7 +7156,7 @@
               <a:pPr>
                 <a:defRPr/>
               </a:pPr>
-              <a:t>29 September 2014</a:t>
+              <a:t>2 October 2014</a:t>
             </a:fld>
             <a:endParaRPr lang="en-US"/>
           </a:p>
@@ -7115,7 +7421,7 @@
               <a:pPr>
                 <a:defRPr/>
               </a:pPr>
-              <a:t>29 September 2014</a:t>
+              <a:t>2 October 2014</a:t>
             </a:fld>
             <a:endParaRPr lang="en-US"/>
           </a:p>
@@ -7430,7 +7736,7 @@
               <a:pPr>
                 <a:defRPr/>
               </a:pPr>
-              <a:t>29 September 2014</a:t>
+              <a:t>2 October 2014</a:t>
             </a:fld>
             <a:endParaRPr lang="en-US"/>
           </a:p>
@@ -7575,7 +7881,7 @@
               <a:pPr>
                 <a:defRPr/>
               </a:pPr>
-              <a:t>29 September 2014</a:t>
+              <a:t>2 October 2014</a:t>
             </a:fld>
             <a:endParaRPr lang="en-US"/>
           </a:p>
@@ -8107,7 +8413,7 @@
               <a:pPr>
                 <a:defRPr/>
               </a:pPr>
-              <a:t>29 September 2014</a:t>
+              <a:t>2 October 2014</a:t>
             </a:fld>
             <a:endParaRPr lang="en-US"/>
           </a:p>
@@ -9227,7 +9533,7 @@
               <a:pPr>
                 <a:defRPr/>
               </a:pPr>
-              <a:t>29 September 2014</a:t>
+              <a:t>2 October 2014</a:t>
             </a:fld>
             <a:endParaRPr lang="en-US"/>
           </a:p>
@@ -9868,8 +10174,12 @@
           <a:p>
             <a:pPr eaLnBrk="1" hangingPunct="1"/>
             <a:r>
-              <a:rPr lang="en-US" altLang="da-DK" smtClean="0"/>
-              <a:t>Tethered Control of UAV</a:t>
+              <a:rPr lang="en-US" altLang="da-DK" dirty="0" smtClean="0"/>
+              <a:t>Tether </a:t>
+            </a:r>
+            <a:r>
+              <a:rPr lang="en-US" altLang="da-DK" dirty="0" smtClean="0"/>
+              <a:t>Control of UAV</a:t>
             </a:r>
           </a:p>
         </p:txBody>
@@ -9892,7 +10202,15 @@
             <a:pPr eaLnBrk="1" hangingPunct="1"/>
             <a:r>
               <a:rPr lang="en-US" altLang="da-DK" dirty="0" smtClean="0"/>
-              <a:t>Building a Platform for Tethered Control of UAV’s</a:t>
+              <a:t>Building a Platform for </a:t>
+            </a:r>
+            <a:r>
+              <a:rPr lang="en-US" altLang="da-DK" dirty="0" smtClean="0"/>
+              <a:t>Tether </a:t>
+            </a:r>
+            <a:r>
+              <a:rPr lang="en-US" altLang="da-DK" dirty="0" smtClean="0"/>
+              <a:t>Control of UAV’s</a:t>
             </a:r>
           </a:p>
           <a:p>
@@ -10413,7 +10731,7 @@
                 <a:buFontTx/>
                 <a:buNone/>
               </a:pPr>
-              <a:t>29 September 2014</a:t>
+              <a:t>2 October 2014</a:t>
             </a:fld>
             <a:endParaRPr lang="en-US" altLang="da-DK" sz="900" dirty="0" smtClean="0"/>
           </a:p>
@@ -10747,7 +11065,6 @@
               <a:rPr lang="da-DK" altLang="da-DK" dirty="0" smtClean="0"/>
               <a:t> in an Industrial Application.</a:t>
             </a:r>
-            <a:endParaRPr lang="da-DK" altLang="da-DK" dirty="0" smtClean="0"/>
           </a:p>
         </p:txBody>
       </p:sp>
@@ -11055,7 +11372,7 @@
             <a:fld id="{62E1C843-C636-49B5-BD11-910CD4FFEE3D}" type="datetime3">
               <a:rPr lang="en-US" altLang="da-DK" sz="900" smtClean="0"/>
               <a:pPr/>
-              <a:t>29 September 2014</a:t>
+              <a:t>2 October 2014</a:t>
             </a:fld>
             <a:endParaRPr lang="en-US" altLang="da-DK" sz="900" dirty="0" smtClean="0"/>
           </a:p>
@@ -11293,7 +11610,6 @@
               <a:rPr lang="da-DK" altLang="da-DK" dirty="0" smtClean="0"/>
               <a:t>Common Problem</a:t>
             </a:r>
-            <a:endParaRPr lang="da-DK" altLang="da-DK" dirty="0" smtClean="0"/>
           </a:p>
         </p:txBody>
       </p:sp>
@@ -11330,7 +11646,6 @@
               <a:rPr lang="da-DK" altLang="da-DK" dirty="0" smtClean="0"/>
               <a:t>upply</a:t>
             </a:r>
-            <a:endParaRPr lang="da-DK" altLang="da-DK" dirty="0" smtClean="0"/>
           </a:p>
           <a:p>
             <a:pPr eaLnBrk="1" hangingPunct="1"/>
@@ -11642,7 +11957,7 @@
             <a:fld id="{A42B51DB-8AAA-4E5C-98C8-8A47C7872677}" type="datetime3">
               <a:rPr lang="en-US" altLang="da-DK" sz="900" smtClean="0"/>
               <a:pPr/>
-              <a:t>29 September 2014</a:t>
+              <a:t>2 October 2014</a:t>
             </a:fld>
             <a:endParaRPr lang="en-US" altLang="da-DK" sz="900" dirty="0" smtClean="0"/>
           </a:p>
@@ -12222,7 +12537,7 @@
               <a:pPr>
                 <a:defRPr/>
               </a:pPr>
-              <a:t>29 September 2014</a:t>
+              <a:t>2 October 2014</a:t>
             </a:fld>
             <a:endParaRPr lang="en-US" dirty="0"/>
           </a:p>
@@ -12618,7 +12933,7 @@
             <a:fld id="{243A356D-6351-44AD-A556-4D5D6FB91D72}" type="datetime3">
               <a:rPr lang="en-US" altLang="da-DK" sz="900" smtClean="0"/>
               <a:pPr/>
-              <a:t>29 September 2014</a:t>
+              <a:t>2 October 2014</a:t>
             </a:fld>
             <a:endParaRPr lang="en-US" altLang="da-DK" sz="900" dirty="0" smtClean="0"/>
           </a:p>
